--- a/NeurIPS2019-presentation/slide-spotlight/5-min spotlight v.2.pptx
+++ b/NeurIPS2019-presentation/slide-spotlight/5-min spotlight v.2.pptx
@@ -7879,7 +7879,7 @@
             <p:spPr>
               <a:xfrm>
                 <a:off x="1097280" y="1845734"/>
-                <a:ext cx="10058400" cy="4301066"/>
+                <a:ext cx="10343478" cy="4301066"/>
               </a:xfrm>
             </p:spPr>
             <p:txBody>
@@ -8165,7 +8165,7 @@
                   <a:rPr lang="en-US" sz="2800" dirty="0">
                     <a:sym typeface="Wingdings" panose="05000000000000000000" pitchFamily="2" charset="2"/>
                   </a:rPr>
-                  <a:t>Semidefinite Program (SDP)  Multiplicative Weight (MW) method</a:t>
+                  <a:t>Semi-definite Program (SDP)  Multiplicative Weight (MW) method</a:t>
                 </a:r>
               </a:p>
               <a:p>
@@ -8227,12 +8227,12 @@
             <p:spPr>
               <a:xfrm>
                 <a:off x="1097280" y="1845734"/>
-                <a:ext cx="10058400" cy="4301066"/>
+                <a:ext cx="10343478" cy="4301066"/>
               </a:xfrm>
               <a:blipFill>
                 <a:blip r:embed="rId2"/>
                 <a:stretch>
-                  <a:fillRect l="-2121" t="-2270" r="-1455"/>
+                  <a:fillRect l="-2062" t="-2270"/>
                 </a:stretch>
               </a:blipFill>
             </p:spPr>
